--- a/卒業論文/2012/野口杏子/卒研中間＊ポスター.pptx
+++ b/卒業論文/2012/野口杏子/卒研中間＊ポスター.pptx
@@ -1441,6 +1441,13 @@
         </dgm:presLayoutVars>
       </dgm:prSet>
       <dgm:spPr/>
+      <dgm:t>
+        <a:bodyPr/>
+        <a:lstStyle/>
+        <a:p>
+          <a:endParaRPr kumimoji="1" lang="ja-JP" altLang="en-US"/>
+        </a:p>
+      </dgm:t>
     </dgm:pt>
     <dgm:pt modelId="{A9B82677-9BD8-4690-8281-C3C259BA34DC}" type="pres">
       <dgm:prSet presAssocID="{145818D8-52B0-43F4-A6B6-3037F68B19A9}" presName="Accent5" presStyleCnt="0"/>
@@ -1457,6 +1464,13 @@
     <dgm:pt modelId="{CCF7917B-5603-4921-AA0E-68E0B6AC89FB}" type="pres">
       <dgm:prSet presAssocID="{145818D8-52B0-43F4-A6B6-3037F68B19A9}" presName="ParentBackground" presStyleLbl="fgAcc1" presStyleIdx="0" presStyleCnt="5"/>
       <dgm:spPr/>
+      <dgm:t>
+        <a:bodyPr/>
+        <a:lstStyle/>
+        <a:p>
+          <a:endParaRPr kumimoji="1" lang="ja-JP" altLang="en-US"/>
+        </a:p>
+      </dgm:t>
     </dgm:pt>
     <dgm:pt modelId="{537CEDB5-7155-44E3-AA4E-142C053470F5}" type="pres">
       <dgm:prSet presAssocID="{145818D8-52B0-43F4-A6B6-3037F68B19A9}" presName="Child5" presStyleLbl="revTx" presStyleIdx="0" presStyleCnt="5">
@@ -1467,6 +1481,13 @@
         </dgm:presLayoutVars>
       </dgm:prSet>
       <dgm:spPr/>
+      <dgm:t>
+        <a:bodyPr/>
+        <a:lstStyle/>
+        <a:p>
+          <a:endParaRPr kumimoji="1" lang="ja-JP" altLang="en-US"/>
+        </a:p>
+      </dgm:t>
     </dgm:pt>
     <dgm:pt modelId="{43B49BEC-F9EE-48B2-B29D-835FC57CD8F8}" type="pres">
       <dgm:prSet presAssocID="{145818D8-52B0-43F4-A6B6-3037F68B19A9}" presName="Parent5" presStyleLbl="revTx" presStyleIdx="0" presStyleCnt="5">
@@ -1477,6 +1498,13 @@
         </dgm:presLayoutVars>
       </dgm:prSet>
       <dgm:spPr/>
+      <dgm:t>
+        <a:bodyPr/>
+        <a:lstStyle/>
+        <a:p>
+          <a:endParaRPr kumimoji="1" lang="ja-JP" altLang="en-US"/>
+        </a:p>
+      </dgm:t>
     </dgm:pt>
     <dgm:pt modelId="{BB2D75A3-0937-4521-973F-565DEDA4B520}" type="pres">
       <dgm:prSet presAssocID="{1A165E77-AE60-42F6-AC1B-3FEB2D38EAF8}" presName="Accent4" presStyleCnt="0"/>
@@ -1493,6 +1521,13 @@
     <dgm:pt modelId="{A3E78BA3-A41F-415A-AAFF-EF0EA00921E3}" type="pres">
       <dgm:prSet presAssocID="{1A165E77-AE60-42F6-AC1B-3FEB2D38EAF8}" presName="ParentBackground" presStyleLbl="fgAcc1" presStyleIdx="1" presStyleCnt="5"/>
       <dgm:spPr/>
+      <dgm:t>
+        <a:bodyPr/>
+        <a:lstStyle/>
+        <a:p>
+          <a:endParaRPr kumimoji="1" lang="ja-JP" altLang="en-US"/>
+        </a:p>
+      </dgm:t>
     </dgm:pt>
     <dgm:pt modelId="{9997A7A1-67BA-41A5-844E-39562B9E0DD4}" type="pres">
       <dgm:prSet presAssocID="{1A165E77-AE60-42F6-AC1B-3FEB2D38EAF8}" presName="Child4" presStyleLbl="revTx" presStyleIdx="1" presStyleCnt="5">
@@ -1503,6 +1538,13 @@
         </dgm:presLayoutVars>
       </dgm:prSet>
       <dgm:spPr/>
+      <dgm:t>
+        <a:bodyPr/>
+        <a:lstStyle/>
+        <a:p>
+          <a:endParaRPr kumimoji="1" lang="ja-JP" altLang="en-US"/>
+        </a:p>
+      </dgm:t>
     </dgm:pt>
     <dgm:pt modelId="{22B19DE8-7710-441D-9BD7-F54CE145C15D}" type="pres">
       <dgm:prSet presAssocID="{1A165E77-AE60-42F6-AC1B-3FEB2D38EAF8}" presName="Parent4" presStyleLbl="revTx" presStyleIdx="1" presStyleCnt="5">
@@ -1513,6 +1555,13 @@
         </dgm:presLayoutVars>
       </dgm:prSet>
       <dgm:spPr/>
+      <dgm:t>
+        <a:bodyPr/>
+        <a:lstStyle/>
+        <a:p>
+          <a:endParaRPr kumimoji="1" lang="ja-JP" altLang="en-US"/>
+        </a:p>
+      </dgm:t>
     </dgm:pt>
     <dgm:pt modelId="{B8AA7F13-0435-453C-A9D2-14B57D249F13}" type="pres">
       <dgm:prSet presAssocID="{32B1B0E1-1029-4569-96DC-6D5BE996CB19}" presName="Accent3" presStyleCnt="0"/>
@@ -1529,6 +1578,13 @@
     <dgm:pt modelId="{E52420A9-E45B-43D2-A139-9A2A91C22807}" type="pres">
       <dgm:prSet presAssocID="{32B1B0E1-1029-4569-96DC-6D5BE996CB19}" presName="ParentBackground" presStyleLbl="fgAcc1" presStyleIdx="2" presStyleCnt="5"/>
       <dgm:spPr/>
+      <dgm:t>
+        <a:bodyPr/>
+        <a:lstStyle/>
+        <a:p>
+          <a:endParaRPr kumimoji="1" lang="ja-JP" altLang="en-US"/>
+        </a:p>
+      </dgm:t>
     </dgm:pt>
     <dgm:pt modelId="{8A381018-E947-4A82-A903-41278FEFAC09}" type="pres">
       <dgm:prSet presAssocID="{32B1B0E1-1029-4569-96DC-6D5BE996CB19}" presName="Child3" presStyleLbl="revTx" presStyleIdx="2" presStyleCnt="5">
@@ -1539,6 +1595,13 @@
         </dgm:presLayoutVars>
       </dgm:prSet>
       <dgm:spPr/>
+      <dgm:t>
+        <a:bodyPr/>
+        <a:lstStyle/>
+        <a:p>
+          <a:endParaRPr kumimoji="1" lang="ja-JP" altLang="en-US"/>
+        </a:p>
+      </dgm:t>
     </dgm:pt>
     <dgm:pt modelId="{3446837A-5899-429A-B221-76EBCFE7D27D}" type="pres">
       <dgm:prSet presAssocID="{32B1B0E1-1029-4569-96DC-6D5BE996CB19}" presName="Parent3" presStyleLbl="revTx" presStyleIdx="2" presStyleCnt="5">
@@ -1549,6 +1612,13 @@
         </dgm:presLayoutVars>
       </dgm:prSet>
       <dgm:spPr/>
+      <dgm:t>
+        <a:bodyPr/>
+        <a:lstStyle/>
+        <a:p>
+          <a:endParaRPr kumimoji="1" lang="ja-JP" altLang="en-US"/>
+        </a:p>
+      </dgm:t>
     </dgm:pt>
     <dgm:pt modelId="{EB9FAED1-4599-408E-9D4F-319CB93D90EA}" type="pres">
       <dgm:prSet presAssocID="{CF5F7448-FDD8-4AC4-B935-BBCA6AAB3997}" presName="Accent2" presStyleCnt="0"/>
@@ -1565,6 +1635,13 @@
     <dgm:pt modelId="{1D8E65D3-EE13-4D16-B156-3FE3C2DEF119}" type="pres">
       <dgm:prSet presAssocID="{CF5F7448-FDD8-4AC4-B935-BBCA6AAB3997}" presName="ParentBackground" presStyleLbl="fgAcc1" presStyleIdx="3" presStyleCnt="5"/>
       <dgm:spPr/>
+      <dgm:t>
+        <a:bodyPr/>
+        <a:lstStyle/>
+        <a:p>
+          <a:endParaRPr kumimoji="1" lang="ja-JP" altLang="en-US"/>
+        </a:p>
+      </dgm:t>
     </dgm:pt>
     <dgm:pt modelId="{85637A0B-ABE6-4BA7-8BF8-924AD1FE5AD9}" type="pres">
       <dgm:prSet presAssocID="{CF5F7448-FDD8-4AC4-B935-BBCA6AAB3997}" presName="Child2" presStyleLbl="revTx" presStyleIdx="3" presStyleCnt="5">
@@ -1575,6 +1652,13 @@
         </dgm:presLayoutVars>
       </dgm:prSet>
       <dgm:spPr/>
+      <dgm:t>
+        <a:bodyPr/>
+        <a:lstStyle/>
+        <a:p>
+          <a:endParaRPr kumimoji="1" lang="ja-JP" altLang="en-US"/>
+        </a:p>
+      </dgm:t>
     </dgm:pt>
     <dgm:pt modelId="{8283A8DF-3414-4254-B014-5536A593A696}" type="pres">
       <dgm:prSet presAssocID="{CF5F7448-FDD8-4AC4-B935-BBCA6AAB3997}" presName="Parent2" presStyleLbl="revTx" presStyleIdx="3" presStyleCnt="5">
@@ -1585,6 +1669,13 @@
         </dgm:presLayoutVars>
       </dgm:prSet>
       <dgm:spPr/>
+      <dgm:t>
+        <a:bodyPr/>
+        <a:lstStyle/>
+        <a:p>
+          <a:endParaRPr kumimoji="1" lang="ja-JP" altLang="en-US"/>
+        </a:p>
+      </dgm:t>
     </dgm:pt>
     <dgm:pt modelId="{BBC41EE6-A533-46AD-BD7B-A6D3932C05F1}" type="pres">
       <dgm:prSet presAssocID="{1802FAED-8620-481A-898D-BCE0DB8DFA2C}" presName="Accent1" presStyleCnt="0"/>
@@ -1601,6 +1692,13 @@
     <dgm:pt modelId="{882D9B52-3422-4CB4-BCD4-840D262A5FF1}" type="pres">
       <dgm:prSet presAssocID="{1802FAED-8620-481A-898D-BCE0DB8DFA2C}" presName="ParentBackground" presStyleLbl="fgAcc1" presStyleIdx="4" presStyleCnt="5"/>
       <dgm:spPr/>
+      <dgm:t>
+        <a:bodyPr/>
+        <a:lstStyle/>
+        <a:p>
+          <a:endParaRPr kumimoji="1" lang="ja-JP" altLang="en-US"/>
+        </a:p>
+      </dgm:t>
     </dgm:pt>
     <dgm:pt modelId="{27976516-78C8-4DEA-8C52-426965F00761}" type="pres">
       <dgm:prSet presAssocID="{1802FAED-8620-481A-898D-BCE0DB8DFA2C}" presName="Child1" presStyleLbl="revTx" presStyleIdx="4" presStyleCnt="5">
@@ -1611,6 +1709,13 @@
         </dgm:presLayoutVars>
       </dgm:prSet>
       <dgm:spPr/>
+      <dgm:t>
+        <a:bodyPr/>
+        <a:lstStyle/>
+        <a:p>
+          <a:endParaRPr kumimoji="1" lang="ja-JP" altLang="en-US"/>
+        </a:p>
+      </dgm:t>
     </dgm:pt>
     <dgm:pt modelId="{EBD73EB5-6BC0-45CD-9D5A-BB39C4429AE5}" type="pres">
       <dgm:prSet presAssocID="{1802FAED-8620-481A-898D-BCE0DB8DFA2C}" presName="Parent1" presStyleLbl="revTx" presStyleIdx="4" presStyleCnt="5">
@@ -1621,35 +1726,42 @@
         </dgm:presLayoutVars>
       </dgm:prSet>
       <dgm:spPr/>
+      <dgm:t>
+        <a:bodyPr/>
+        <a:lstStyle/>
+        <a:p>
+          <a:endParaRPr kumimoji="1" lang="ja-JP" altLang="en-US"/>
+        </a:p>
+      </dgm:t>
     </dgm:pt>
   </dgm:ptLst>
   <dgm:cxnLst>
-    <dgm:cxn modelId="{C787D06D-8CB7-48BB-94FB-C951439BE5F8}" srcId="{145818D8-52B0-43F4-A6B6-3037F68B19A9}" destId="{5E33C5E7-D52C-451C-9CF0-CCDE3DD2F2D8}" srcOrd="0" destOrd="0" parTransId="{91199AF6-98F7-487D-BA27-D53F603B46EE}" sibTransId="{3AE917AA-B150-4E9F-BEB8-F21F4F6AA51C}"/>
+    <dgm:cxn modelId="{E37B258B-E76A-4EAC-B5D5-32B4E5128A79}" srcId="{CF5F7448-FDD8-4AC4-B935-BBCA6AAB3997}" destId="{703D8808-0227-49C9-A582-B0D89740C4FB}" srcOrd="0" destOrd="0" parTransId="{EF9840E6-C37A-44A5-A55A-EF5C20C35E56}" sibTransId="{265E65F0-546D-4885-9AD4-F1488F202C48}"/>
+    <dgm:cxn modelId="{5FDCC9F6-0EE8-4BE8-8C5E-2D7993FE47FB}" srcId="{825BEB68-7D30-4892-B90C-89FC31DABD25}" destId="{CF5F7448-FDD8-4AC4-B935-BBCA6AAB3997}" srcOrd="1" destOrd="0" parTransId="{AE7A1974-98E8-453E-B3F0-6FD99B0DADA4}" sibTransId="{EFAAECCD-6CF8-45C3-9961-61E93713C98B}"/>
     <dgm:cxn modelId="{C27D4606-6756-47A9-96C8-0E506EBFA341}" type="presOf" srcId="{1A165E77-AE60-42F6-AC1B-3FEB2D38EAF8}" destId="{22B19DE8-7710-441D-9BD7-F54CE145C15D}" srcOrd="1" destOrd="0" presId="urn:microsoft.com/office/officeart/2011/layout/CircleProcess"/>
-    <dgm:cxn modelId="{A574B3BD-0760-4E8A-9734-37B037E375E0}" srcId="{825BEB68-7D30-4892-B90C-89FC31DABD25}" destId="{1802FAED-8620-481A-898D-BCE0DB8DFA2C}" srcOrd="0" destOrd="0" parTransId="{EDBF9D9F-AD37-4598-913F-3A18910A4044}" sibTransId="{154D923E-006A-4785-9B45-8A80B5EF6622}"/>
+    <dgm:cxn modelId="{26C5E3AA-0678-49D1-A147-1EC2553E617F}" srcId="{825BEB68-7D30-4892-B90C-89FC31DABD25}" destId="{1A165E77-AE60-42F6-AC1B-3FEB2D38EAF8}" srcOrd="3" destOrd="0" parTransId="{5B0D18BA-A47D-44F9-A9A0-2825BFCBD3B1}" sibTransId="{4A65B9D6-6993-4C1E-B10D-1AA324A0A5B1}"/>
+    <dgm:cxn modelId="{566941A5-3399-4A50-AEDF-4E0A26BE1CC4}" type="presOf" srcId="{145818D8-52B0-43F4-A6B6-3037F68B19A9}" destId="{CCF7917B-5603-4921-AA0E-68E0B6AC89FB}" srcOrd="0" destOrd="0" presId="urn:microsoft.com/office/officeart/2011/layout/CircleProcess"/>
+    <dgm:cxn modelId="{16490C05-C3FD-48C5-8FCB-39ABC6A2A242}" type="presOf" srcId="{145818D8-52B0-43F4-A6B6-3037F68B19A9}" destId="{43B49BEC-F9EE-48B2-B29D-835FC57CD8F8}" srcOrd="1" destOrd="0" presId="urn:microsoft.com/office/officeart/2011/layout/CircleProcess"/>
+    <dgm:cxn modelId="{F012CA58-4214-4390-B32A-7FD06B2011A9}" type="presOf" srcId="{1802FAED-8620-481A-898D-BCE0DB8DFA2C}" destId="{882D9B52-3422-4CB4-BCD4-840D262A5FF1}" srcOrd="0" destOrd="0" presId="urn:microsoft.com/office/officeart/2011/layout/CircleProcess"/>
     <dgm:cxn modelId="{9501FA5F-B087-4F9F-AB1E-23E5953580B7}" srcId="{1A165E77-AE60-42F6-AC1B-3FEB2D38EAF8}" destId="{6564D680-6AD9-4027-BD32-2C993E99E1E1}" srcOrd="0" destOrd="0" parTransId="{27169F8A-0C2C-42E3-9888-B010F5C9E2EC}" sibTransId="{0884DA80-EAC0-41EC-826F-49C7CBAD053E}"/>
     <dgm:cxn modelId="{3FFA1E17-CDDC-4E23-8304-C7A1442A914E}" type="presOf" srcId="{825BEB68-7D30-4892-B90C-89FC31DABD25}" destId="{2C2BEF97-DA56-4A07-BA71-B07085549B30}" srcOrd="0" destOrd="0" presId="urn:microsoft.com/office/officeart/2011/layout/CircleProcess"/>
-    <dgm:cxn modelId="{F012CA58-4214-4390-B32A-7FD06B2011A9}" type="presOf" srcId="{1802FAED-8620-481A-898D-BCE0DB8DFA2C}" destId="{882D9B52-3422-4CB4-BCD4-840D262A5FF1}" srcOrd="0" destOrd="0" presId="urn:microsoft.com/office/officeart/2011/layout/CircleProcess"/>
-    <dgm:cxn modelId="{5FDCC9F6-0EE8-4BE8-8C5E-2D7993FE47FB}" srcId="{825BEB68-7D30-4892-B90C-89FC31DABD25}" destId="{CF5F7448-FDD8-4AC4-B935-BBCA6AAB3997}" srcOrd="1" destOrd="0" parTransId="{AE7A1974-98E8-453E-B3F0-6FD99B0DADA4}" sibTransId="{EFAAECCD-6CF8-45C3-9961-61E93713C98B}"/>
+    <dgm:cxn modelId="{2906B8EF-1BA4-4CF0-A60A-DFCC6357D052}" type="presOf" srcId="{CF5F7448-FDD8-4AC4-B935-BBCA6AAB3997}" destId="{1D8E65D3-EE13-4D16-B156-3FE3C2DEF119}" srcOrd="0" destOrd="0" presId="urn:microsoft.com/office/officeart/2011/layout/CircleProcess"/>
     <dgm:cxn modelId="{E59E9644-4C22-427F-BD37-BEA52FD6704D}" type="presOf" srcId="{5E33C5E7-D52C-451C-9CF0-CCDE3DD2F2D8}" destId="{537CEDB5-7155-44E3-AA4E-142C053470F5}" srcOrd="0" destOrd="0" presId="urn:microsoft.com/office/officeart/2011/layout/CircleProcess"/>
     <dgm:cxn modelId="{31160071-FA8E-4DED-9072-FFCAE7C7D235}" type="presOf" srcId="{1802FAED-8620-481A-898D-BCE0DB8DFA2C}" destId="{EBD73EB5-6BC0-45CD-9D5A-BB39C4429AE5}" srcOrd="1" destOrd="0" presId="urn:microsoft.com/office/officeart/2011/layout/CircleProcess"/>
-    <dgm:cxn modelId="{26C5E3AA-0678-49D1-A147-1EC2553E617F}" srcId="{825BEB68-7D30-4892-B90C-89FC31DABD25}" destId="{1A165E77-AE60-42F6-AC1B-3FEB2D38EAF8}" srcOrd="3" destOrd="0" parTransId="{5B0D18BA-A47D-44F9-A9A0-2825BFCBD3B1}" sibTransId="{4A65B9D6-6993-4C1E-B10D-1AA324A0A5B1}"/>
-    <dgm:cxn modelId="{E37B258B-E76A-4EAC-B5D5-32B4E5128A79}" srcId="{CF5F7448-FDD8-4AC4-B935-BBCA6AAB3997}" destId="{703D8808-0227-49C9-A582-B0D89740C4FB}" srcOrd="0" destOrd="0" parTransId="{EF9840E6-C37A-44A5-A55A-EF5C20C35E56}" sibTransId="{265E65F0-546D-4885-9AD4-F1488F202C48}"/>
-    <dgm:cxn modelId="{566941A5-3399-4A50-AEDF-4E0A26BE1CC4}" type="presOf" srcId="{145818D8-52B0-43F4-A6B6-3037F68B19A9}" destId="{CCF7917B-5603-4921-AA0E-68E0B6AC89FB}" srcOrd="0" destOrd="0" presId="urn:microsoft.com/office/officeart/2011/layout/CircleProcess"/>
+    <dgm:cxn modelId="{11878E00-1DF2-4A7E-91B2-4C6CD719239C}" type="presOf" srcId="{32B1B0E1-1029-4569-96DC-6D5BE996CB19}" destId="{E52420A9-E45B-43D2-A139-9A2A91C22807}" srcOrd="0" destOrd="0" presId="urn:microsoft.com/office/officeart/2011/layout/CircleProcess"/>
+    <dgm:cxn modelId="{E8B20716-F3D7-469B-9F3A-00434706C40F}" type="presOf" srcId="{18853D70-7A1B-4297-B6ED-8AAC51A10077}" destId="{8A381018-E947-4A82-A903-41278FEFAC09}" srcOrd="0" destOrd="0" presId="urn:microsoft.com/office/officeart/2011/layout/CircleProcess"/>
+    <dgm:cxn modelId="{0B77970A-BB7C-4990-B6EC-22A6D0070AC7}" type="presOf" srcId="{CF5F7448-FDD8-4AC4-B935-BBCA6AAB3997}" destId="{8283A8DF-3414-4254-B014-5536A593A696}" srcOrd="1" destOrd="0" presId="urn:microsoft.com/office/officeart/2011/layout/CircleProcess"/>
+    <dgm:cxn modelId="{D1602211-42E1-4694-84EC-84F4D9F62FBE}" srcId="{825BEB68-7D30-4892-B90C-89FC31DABD25}" destId="{32B1B0E1-1029-4569-96DC-6D5BE996CB19}" srcOrd="2" destOrd="0" parTransId="{25F48FDB-019F-4E89-A3EC-830DCB30B74B}" sibTransId="{9046D1EE-7D60-40F5-8AFE-45C74E28A82D}"/>
+    <dgm:cxn modelId="{5045F2C8-64B7-442D-9FDD-65B3EDAAAE9E}" type="presOf" srcId="{32B1B0E1-1029-4569-96DC-6D5BE996CB19}" destId="{3446837A-5899-429A-B221-76EBCFE7D27D}" srcOrd="1" destOrd="0" presId="urn:microsoft.com/office/officeart/2011/layout/CircleProcess"/>
+    <dgm:cxn modelId="{13A31E51-2BEE-4FEA-A717-F22DC78EB372}" type="presOf" srcId="{1A165E77-AE60-42F6-AC1B-3FEB2D38EAF8}" destId="{A3E78BA3-A41F-415A-AAFF-EF0EA00921E3}" srcOrd="0" destOrd="0" presId="urn:microsoft.com/office/officeart/2011/layout/CircleProcess"/>
+    <dgm:cxn modelId="{53EBA975-D7FB-4BC6-9975-FB7A26873271}" srcId="{32B1B0E1-1029-4569-96DC-6D5BE996CB19}" destId="{18853D70-7A1B-4297-B6ED-8AAC51A10077}" srcOrd="0" destOrd="0" parTransId="{15C1B006-D96B-4A83-9CEA-EEDCFF0FFBE3}" sibTransId="{F2A1D504-69A8-4C2C-9F05-8FA623D68B4E}"/>
     <dgm:cxn modelId="{1087D163-2F70-4BF0-B02C-FBC1BCD27005}" type="presOf" srcId="{703D8808-0227-49C9-A582-B0D89740C4FB}" destId="{85637A0B-ABE6-4BA7-8BF8-924AD1FE5AD9}" srcOrd="0" destOrd="0" presId="urn:microsoft.com/office/officeart/2011/layout/CircleProcess"/>
+    <dgm:cxn modelId="{A574B3BD-0760-4E8A-9734-37B037E375E0}" srcId="{825BEB68-7D30-4892-B90C-89FC31DABD25}" destId="{1802FAED-8620-481A-898D-BCE0DB8DFA2C}" srcOrd="0" destOrd="0" parTransId="{EDBF9D9F-AD37-4598-913F-3A18910A4044}" sibTransId="{154D923E-006A-4785-9B45-8A80B5EF6622}"/>
+    <dgm:cxn modelId="{C787D06D-8CB7-48BB-94FB-C951439BE5F8}" srcId="{145818D8-52B0-43F4-A6B6-3037F68B19A9}" destId="{5E33C5E7-D52C-451C-9CF0-CCDE3DD2F2D8}" srcOrd="0" destOrd="0" parTransId="{91199AF6-98F7-487D-BA27-D53F603B46EE}" sibTransId="{3AE917AA-B150-4E9F-BEB8-F21F4F6AA51C}"/>
+    <dgm:cxn modelId="{67BFE6A2-3CED-4B9E-BB39-3E6C83F58E20}" type="presOf" srcId="{6564D680-6AD9-4027-BD32-2C993E99E1E1}" destId="{9997A7A1-67BA-41A5-844E-39562B9E0DD4}" srcOrd="0" destOrd="0" presId="urn:microsoft.com/office/officeart/2011/layout/CircleProcess"/>
     <dgm:cxn modelId="{B1B0EDE8-168F-44A6-B47D-1A5F7673DCB4}" srcId="{1802FAED-8620-481A-898D-BCE0DB8DFA2C}" destId="{F6D686EE-9DF9-4137-95E0-5D2E62A82434}" srcOrd="0" destOrd="0" parTransId="{19B4E8A7-A4E1-4CD0-9027-15E6E9070F5C}" sibTransId="{51DF82BE-6680-441D-BEA4-7844B0B43734}"/>
+    <dgm:cxn modelId="{96376BE4-B233-4FE5-8B6B-E3DD1641EC50}" srcId="{825BEB68-7D30-4892-B90C-89FC31DABD25}" destId="{145818D8-52B0-43F4-A6B6-3037F68B19A9}" srcOrd="4" destOrd="0" parTransId="{F95E0D4A-E780-4A63-8FD2-DF25C9A9C6F9}" sibTransId="{5793F024-E1A0-497E-B0D1-3C2C31FC3F7A}"/>
     <dgm:cxn modelId="{1D0C63C7-D3F8-490C-820A-F53336B222F2}" type="presOf" srcId="{F6D686EE-9DF9-4137-95E0-5D2E62A82434}" destId="{27976516-78C8-4DEA-8C52-426965F00761}" srcOrd="0" destOrd="0" presId="urn:microsoft.com/office/officeart/2011/layout/CircleProcess"/>
-    <dgm:cxn modelId="{53EBA975-D7FB-4BC6-9975-FB7A26873271}" srcId="{32B1B0E1-1029-4569-96DC-6D5BE996CB19}" destId="{18853D70-7A1B-4297-B6ED-8AAC51A10077}" srcOrd="0" destOrd="0" parTransId="{15C1B006-D96B-4A83-9CEA-EEDCFF0FFBE3}" sibTransId="{F2A1D504-69A8-4C2C-9F05-8FA623D68B4E}"/>
-    <dgm:cxn modelId="{13A31E51-2BEE-4FEA-A717-F22DC78EB372}" type="presOf" srcId="{1A165E77-AE60-42F6-AC1B-3FEB2D38EAF8}" destId="{A3E78BA3-A41F-415A-AAFF-EF0EA00921E3}" srcOrd="0" destOrd="0" presId="urn:microsoft.com/office/officeart/2011/layout/CircleProcess"/>
-    <dgm:cxn modelId="{67BFE6A2-3CED-4B9E-BB39-3E6C83F58E20}" type="presOf" srcId="{6564D680-6AD9-4027-BD32-2C993E99E1E1}" destId="{9997A7A1-67BA-41A5-844E-39562B9E0DD4}" srcOrd="0" destOrd="0" presId="urn:microsoft.com/office/officeart/2011/layout/CircleProcess"/>
-    <dgm:cxn modelId="{0B77970A-BB7C-4990-B6EC-22A6D0070AC7}" type="presOf" srcId="{CF5F7448-FDD8-4AC4-B935-BBCA6AAB3997}" destId="{8283A8DF-3414-4254-B014-5536A593A696}" srcOrd="1" destOrd="0" presId="urn:microsoft.com/office/officeart/2011/layout/CircleProcess"/>
-    <dgm:cxn modelId="{5045F2C8-64B7-442D-9FDD-65B3EDAAAE9E}" type="presOf" srcId="{32B1B0E1-1029-4569-96DC-6D5BE996CB19}" destId="{3446837A-5899-429A-B221-76EBCFE7D27D}" srcOrd="1" destOrd="0" presId="urn:microsoft.com/office/officeart/2011/layout/CircleProcess"/>
-    <dgm:cxn modelId="{11878E00-1DF2-4A7E-91B2-4C6CD719239C}" type="presOf" srcId="{32B1B0E1-1029-4569-96DC-6D5BE996CB19}" destId="{E52420A9-E45B-43D2-A139-9A2A91C22807}" srcOrd="0" destOrd="0" presId="urn:microsoft.com/office/officeart/2011/layout/CircleProcess"/>
-    <dgm:cxn modelId="{16490C05-C3FD-48C5-8FCB-39ABC6A2A242}" type="presOf" srcId="{145818D8-52B0-43F4-A6B6-3037F68B19A9}" destId="{43B49BEC-F9EE-48B2-B29D-835FC57CD8F8}" srcOrd="1" destOrd="0" presId="urn:microsoft.com/office/officeart/2011/layout/CircleProcess"/>
-    <dgm:cxn modelId="{E8B20716-F3D7-469B-9F3A-00434706C40F}" type="presOf" srcId="{18853D70-7A1B-4297-B6ED-8AAC51A10077}" destId="{8A381018-E947-4A82-A903-41278FEFAC09}" srcOrd="0" destOrd="0" presId="urn:microsoft.com/office/officeart/2011/layout/CircleProcess"/>
-    <dgm:cxn modelId="{96376BE4-B233-4FE5-8B6B-E3DD1641EC50}" srcId="{825BEB68-7D30-4892-B90C-89FC31DABD25}" destId="{145818D8-52B0-43F4-A6B6-3037F68B19A9}" srcOrd="4" destOrd="0" parTransId="{F95E0D4A-E780-4A63-8FD2-DF25C9A9C6F9}" sibTransId="{5793F024-E1A0-497E-B0D1-3C2C31FC3F7A}"/>
-    <dgm:cxn modelId="{D1602211-42E1-4694-84EC-84F4D9F62FBE}" srcId="{825BEB68-7D30-4892-B90C-89FC31DABD25}" destId="{32B1B0E1-1029-4569-96DC-6D5BE996CB19}" srcOrd="2" destOrd="0" parTransId="{25F48FDB-019F-4E89-A3EC-830DCB30B74B}" sibTransId="{9046D1EE-7D60-40F5-8AFE-45C74E28A82D}"/>
-    <dgm:cxn modelId="{2906B8EF-1BA4-4CF0-A60A-DFCC6357D052}" type="presOf" srcId="{CF5F7448-FDD8-4AC4-B935-BBCA6AAB3997}" destId="{1D8E65D3-EE13-4D16-B156-3FE3C2DEF119}" srcOrd="0" destOrd="0" presId="urn:microsoft.com/office/officeart/2011/layout/CircleProcess"/>
     <dgm:cxn modelId="{862F60FF-5471-44C8-A294-ADFE116B79D9}" type="presParOf" srcId="{2C2BEF97-DA56-4A07-BA71-B07085549B30}" destId="{A9B82677-9BD8-4690-8281-C3C259BA34DC}" srcOrd="0" destOrd="0" presId="urn:microsoft.com/office/officeart/2011/layout/CircleProcess"/>
     <dgm:cxn modelId="{5E9126BA-541D-46F6-B51F-1D905BE3F624}" type="presParOf" srcId="{A9B82677-9BD8-4690-8281-C3C259BA34DC}" destId="{50EC4E52-521C-4AAA-90EE-BAD40EF24CBE}" srcOrd="0" destOrd="0" presId="urn:microsoft.com/office/officeart/2011/layout/CircleProcess"/>
     <dgm:cxn modelId="{75A839A7-8C2C-4D5A-B0FA-1A2124738001}" type="presParOf" srcId="{2C2BEF97-DA56-4A07-BA71-B07085549B30}" destId="{2356E112-1178-4AE0-B527-814B3B70EBB6}" srcOrd="1" destOrd="0" presId="urn:microsoft.com/office/officeart/2011/layout/CircleProcess"/>
@@ -8463,7 +8575,7 @@
           <a:p>
             <a:fld id="{5BAB8F4C-03BC-4B6E-A455-F3B383D95D62}" type="datetimeFigureOut">
               <a:rPr kumimoji="1" lang="ja-JP" altLang="en-US" smtClean="0"/>
-              <a:t>2013/10/5</a:t>
+              <a:t>2013/10/8</a:t>
             </a:fld>
             <a:endParaRPr kumimoji="1" lang="ja-JP" altLang="en-US"/>
           </a:p>
@@ -8665,7 +8777,7 @@
           <a:p>
             <a:fld id="{5BAB8F4C-03BC-4B6E-A455-F3B383D95D62}" type="datetimeFigureOut">
               <a:rPr kumimoji="1" lang="ja-JP" altLang="en-US" smtClean="0"/>
-              <a:t>2013/10/5</a:t>
+              <a:t>2013/10/8</a:t>
             </a:fld>
             <a:endParaRPr kumimoji="1" lang="ja-JP" altLang="en-US"/>
           </a:p>
@@ -8877,7 +8989,7 @@
           <a:p>
             <a:fld id="{5BAB8F4C-03BC-4B6E-A455-F3B383D95D62}" type="datetimeFigureOut">
               <a:rPr kumimoji="1" lang="ja-JP" altLang="en-US" smtClean="0"/>
-              <a:t>2013/10/5</a:t>
+              <a:t>2013/10/8</a:t>
             </a:fld>
             <a:endParaRPr kumimoji="1" lang="ja-JP" altLang="en-US"/>
           </a:p>
@@ -9079,7 +9191,7 @@
           <a:p>
             <a:fld id="{5BAB8F4C-03BC-4B6E-A455-F3B383D95D62}" type="datetimeFigureOut">
               <a:rPr kumimoji="1" lang="ja-JP" altLang="en-US" smtClean="0"/>
-              <a:t>2013/10/5</a:t>
+              <a:t>2013/10/8</a:t>
             </a:fld>
             <a:endParaRPr kumimoji="1" lang="ja-JP" altLang="en-US"/>
           </a:p>
@@ -9325,7 +9437,7 @@
           <a:p>
             <a:fld id="{5BAB8F4C-03BC-4B6E-A455-F3B383D95D62}" type="datetimeFigureOut">
               <a:rPr kumimoji="1" lang="ja-JP" altLang="en-US" smtClean="0"/>
-              <a:t>2013/10/5</a:t>
+              <a:t>2013/10/8</a:t>
             </a:fld>
             <a:endParaRPr kumimoji="1" lang="ja-JP" altLang="en-US"/>
           </a:p>
@@ -9677,7 +9789,7 @@
           <a:p>
             <a:fld id="{5BAB8F4C-03BC-4B6E-A455-F3B383D95D62}" type="datetimeFigureOut">
               <a:rPr kumimoji="1" lang="ja-JP" altLang="en-US" smtClean="0"/>
-              <a:t>2013/10/5</a:t>
+              <a:t>2013/10/8</a:t>
             </a:fld>
             <a:endParaRPr kumimoji="1" lang="ja-JP" altLang="en-US"/>
           </a:p>
@@ -10168,7 +10280,7 @@
           <a:p>
             <a:fld id="{5BAB8F4C-03BC-4B6E-A455-F3B383D95D62}" type="datetimeFigureOut">
               <a:rPr kumimoji="1" lang="ja-JP" altLang="en-US" smtClean="0"/>
-              <a:t>2013/10/5</a:t>
+              <a:t>2013/10/8</a:t>
             </a:fld>
             <a:endParaRPr kumimoji="1" lang="ja-JP" altLang="en-US"/>
           </a:p>
@@ -10286,7 +10398,7 @@
           <a:p>
             <a:fld id="{5BAB8F4C-03BC-4B6E-A455-F3B383D95D62}" type="datetimeFigureOut">
               <a:rPr kumimoji="1" lang="ja-JP" altLang="en-US" smtClean="0"/>
-              <a:t>2013/10/5</a:t>
+              <a:t>2013/10/8</a:t>
             </a:fld>
             <a:endParaRPr kumimoji="1" lang="ja-JP" altLang="en-US"/>
           </a:p>
@@ -10381,7 +10493,7 @@
           <a:p>
             <a:fld id="{5BAB8F4C-03BC-4B6E-A455-F3B383D95D62}" type="datetimeFigureOut">
               <a:rPr kumimoji="1" lang="ja-JP" altLang="en-US" smtClean="0"/>
-              <a:t>2013/10/5</a:t>
+              <a:t>2013/10/8</a:t>
             </a:fld>
             <a:endParaRPr kumimoji="1" lang="ja-JP" altLang="en-US"/>
           </a:p>
@@ -10690,7 +10802,7 @@
           <a:p>
             <a:fld id="{5BAB8F4C-03BC-4B6E-A455-F3B383D95D62}" type="datetimeFigureOut">
               <a:rPr kumimoji="1" lang="ja-JP" altLang="en-US" smtClean="0"/>
-              <a:t>2013/10/5</a:t>
+              <a:t>2013/10/8</a:t>
             </a:fld>
             <a:endParaRPr kumimoji="1" lang="ja-JP" altLang="en-US"/>
           </a:p>
@@ -10943,7 +11055,7 @@
           <a:p>
             <a:fld id="{5BAB8F4C-03BC-4B6E-A455-F3B383D95D62}" type="datetimeFigureOut">
               <a:rPr kumimoji="1" lang="ja-JP" altLang="en-US" smtClean="0"/>
-              <a:t>2013/10/5</a:t>
+              <a:t>2013/10/8</a:t>
             </a:fld>
             <a:endParaRPr kumimoji="1" lang="ja-JP" altLang="en-US"/>
           </a:p>
@@ -11188,7 +11300,7 @@
           <a:p>
             <a:fld id="{5BAB8F4C-03BC-4B6E-A455-F3B383D95D62}" type="datetimeFigureOut">
               <a:rPr kumimoji="1" lang="ja-JP" altLang="en-US" smtClean="0"/>
-              <a:t>2013/10/5</a:t>
+              <a:t>2013/10/8</a:t>
             </a:fld>
             <a:endParaRPr kumimoji="1" lang="ja-JP" altLang="en-US"/>
           </a:p>
@@ -14446,7 +14558,7 @@
         <p:spPr>
           <a:xfrm>
             <a:off x="17318136" y="16410453"/>
-            <a:ext cx="3240360" cy="5713951"/>
+            <a:ext cx="3456384" cy="5713951"/>
           </a:xfrm>
           <a:prstGeom prst="flowChartAlternateProcess">
             <a:avLst/>
@@ -14481,7 +14593,7 @@
             </a:r>
             <a:r>
               <a:rPr kumimoji="1" lang="ja-JP" altLang="en-US" sz="3600" dirty="0" smtClean="0"/>
-              <a:t>上での活動を</a:t>
+              <a:t>と</a:t>
             </a:r>
             <a:r>
               <a:rPr kumimoji="1" lang="en-US" altLang="ja-JP" sz="3600" dirty="0" smtClean="0"/>
@@ -14489,17 +14601,17 @@
             </a:r>
             <a:r>
               <a:rPr kumimoji="1" lang="ja-JP" altLang="en-US" sz="3600" dirty="0" smtClean="0"/>
-              <a:t>上で確認</a:t>
-            </a:r>
-            <a:r>
-              <a:rPr lang="ja-JP" altLang="en-US" sz="3600" dirty="0"/>
-              <a:t>できるよう</a:t>
-            </a:r>
-            <a:r>
-              <a:rPr lang="ja-JP" altLang="en-US" sz="3600" dirty="0" smtClean="0"/>
-              <a:t>にする！</a:t>
-            </a:r>
-            <a:endParaRPr kumimoji="1" lang="en-US" altLang="ja-JP" sz="3600" dirty="0" smtClean="0"/>
+              <a:t>を連携</a:t>
+            </a:r>
+            <a:r>
+              <a:rPr kumimoji="1" lang="ja-JP" altLang="en-US" sz="3600" smtClean="0"/>
+              <a:t>させる</a:t>
+            </a:r>
+            <a:r>
+              <a:rPr lang="ja-JP" altLang="en-US" sz="3600" smtClean="0"/>
+              <a:t>！</a:t>
+            </a:r>
+            <a:endParaRPr lang="en-US" altLang="ja-JP" sz="3600" smtClean="0"/>
           </a:p>
         </p:txBody>
       </p:sp>
